--- a/Documents/Soutenance/slide.pptx
+++ b/Documents/Soutenance/slide.pptx
@@ -5001,6 +5001,13 @@
   <p:clrMapOvr>
     <a:masterClrMapping/>
   </p:clrMapOvr>
+  <p:timing>
+    <p:tnLst>
+      <p:par>
+        <p:cTn xmlns:p14="http://schemas.microsoft.com/office/powerpoint/2010/main" id="1" dur="indefinite" restart="never" nodeType="tmRoot"/>
+      </p:par>
+    </p:tnLst>
+  </p:timing>
 </p:sld>
 </file>
 
@@ -5249,6 +5256,13 @@
   <p:clrMapOvr>
     <a:masterClrMapping/>
   </p:clrMapOvr>
+  <p:timing>
+    <p:tnLst>
+      <p:par>
+        <p:cTn xmlns:p14="http://schemas.microsoft.com/office/powerpoint/2010/main" id="1" dur="indefinite" restart="never" nodeType="tmRoot"/>
+      </p:par>
+    </p:tnLst>
+  </p:timing>
 </p:sld>
 </file>
 
@@ -5313,6 +5327,18 @@
             </a:r>
           </a:p>
           <a:p>
+            <a:r>
+              <a:rPr lang="fr-FR" dirty="0" smtClean="0"/>
+              <a:t>« Corruption » des comparateurs de prix en ligne</a:t>
+            </a:r>
+          </a:p>
+          <a:p>
+            <a:r>
+              <a:rPr lang="fr-FR" dirty="0" smtClean="0"/>
+              <a:t>Idée d’un outil pour les professionnels</a:t>
+            </a:r>
+          </a:p>
+          <a:p>
             <a:endParaRPr lang="fr-FR" dirty="0" smtClean="0"/>
           </a:p>
         </p:txBody>
@@ -5327,6 +5353,13 @@
   <p:clrMapOvr>
     <a:masterClrMapping/>
   </p:clrMapOvr>
+  <p:timing>
+    <p:tnLst>
+      <p:par>
+        <p:cTn xmlns:p14="http://schemas.microsoft.com/office/powerpoint/2010/main" id="1" dur="indefinite" restart="never" nodeType="tmRoot"/>
+      </p:par>
+    </p:tnLst>
+  </p:timing>
 </p:sld>
 </file>
 
@@ -5362,7 +5395,11 @@
           <a:bodyPr/>
           <a:lstStyle/>
           <a:p>
-            <a:endParaRPr lang="fr-FR"/>
+            <a:r>
+              <a:rPr lang="fr-FR" dirty="0" smtClean="0"/>
+              <a:t>I. Le contexte</a:t>
+            </a:r>
+            <a:endParaRPr lang="fr-FR" dirty="0"/>
           </a:p>
         </p:txBody>
       </p:sp>
@@ -5381,7 +5418,89 @@
           <a:bodyPr/>
           <a:lstStyle/>
           <a:p>
-            <a:endParaRPr lang="fr-FR"/>
+            <a:r>
+              <a:rPr lang="fr-FR" dirty="0" smtClean="0"/>
+              <a:t>Le projet:</a:t>
+            </a:r>
+          </a:p>
+          <a:p>
+            <a:pPr lvl="1"/>
+            <a:r>
+              <a:rPr lang="fr-FR" dirty="0" smtClean="0"/>
+              <a:t>Conception, développement et déploiement</a:t>
+            </a:r>
+          </a:p>
+          <a:p>
+            <a:pPr lvl="1"/>
+            <a:r>
+              <a:rPr lang="fr-FR" dirty="0" smtClean="0"/>
+              <a:t>Mission:</a:t>
+            </a:r>
+          </a:p>
+          <a:p>
+            <a:pPr lvl="2"/>
+            <a:r>
+              <a:rPr lang="fr-FR" dirty="0" smtClean="0"/>
+              <a:t>Récupération de tous les articles des sites concernés</a:t>
+            </a:r>
+          </a:p>
+          <a:p>
+            <a:pPr lvl="2"/>
+            <a:r>
+              <a:rPr lang="fr-FR" dirty="0" smtClean="0"/>
+              <a:t>Développement d’un GUI.</a:t>
+            </a:r>
+          </a:p>
+          <a:p>
+            <a:pPr lvl="2"/>
+            <a:r>
+              <a:rPr lang="fr-FR" dirty="0" smtClean="0"/>
+              <a:t>Gérer l’affichage </a:t>
+            </a:r>
+          </a:p>
+          <a:p>
+            <a:pPr lvl="3"/>
+            <a:r>
+              <a:rPr lang="fr-FR" dirty="0"/>
+              <a:t>A</a:t>
+            </a:r>
+            <a:r>
+              <a:rPr lang="fr-FR" dirty="0" smtClean="0"/>
+              <a:t>rticles que vend l’utilisateur</a:t>
+            </a:r>
+          </a:p>
+          <a:p>
+            <a:pPr lvl="3"/>
+            <a:r>
+              <a:rPr lang="fr-FR" dirty="0"/>
+              <a:t>P</a:t>
+            </a:r>
+            <a:r>
+              <a:rPr lang="fr-FR" dirty="0" smtClean="0"/>
+              <a:t>rix des concurrents</a:t>
+            </a:r>
+          </a:p>
+          <a:p>
+            <a:pPr lvl="3"/>
+            <a:r>
+              <a:rPr lang="fr-FR" dirty="0" smtClean="0"/>
+              <a:t>Mise en valeur prix supérieurs et inférieurs</a:t>
+            </a:r>
+          </a:p>
+          <a:p>
+            <a:pPr lvl="3"/>
+            <a:r>
+              <a:rPr lang="fr-FR" dirty="0" smtClean="0"/>
+              <a:t>Mise à jour régulière</a:t>
+            </a:r>
+            <a:endParaRPr lang="fr-FR" dirty="0"/>
+          </a:p>
+          <a:p>
+            <a:pPr lvl="2"/>
+            <a:r>
+              <a:rPr lang="fr-FR" dirty="0" smtClean="0"/>
+              <a:t>Projet limité à 5 sites</a:t>
+            </a:r>
           </a:p>
         </p:txBody>
       </p:sp>
@@ -5395,6 +5514,578 @@
   <p:clrMapOvr>
     <a:masterClrMapping/>
   </p:clrMapOvr>
+  <p:timing>
+    <p:tnLst>
+      <p:par>
+        <p:cTn xmlns:p14="http://schemas.microsoft.com/office/powerpoint/2010/main" id="1" dur="indefinite" restart="never" nodeType="tmRoot">
+          <p:childTnLst>
+            <p:seq concurrent="1" nextAc="seek">
+              <p:cTn id="2" dur="indefinite" nodeType="mainSeq">
+                <p:childTnLst>
+                  <p:par>
+                    <p:cTn id="3" fill="hold">
+                      <p:stCondLst>
+                        <p:cond delay="indefinite"/>
+                      </p:stCondLst>
+                      <p:childTnLst>
+                        <p:par>
+                          <p:cTn id="4" fill="hold">
+                            <p:stCondLst>
+                              <p:cond delay="0"/>
+                            </p:stCondLst>
+                            <p:childTnLst>
+                              <p:par>
+                                <p:cTn id="5" presetID="1" presetClass="entr" presetSubtype="0" fill="hold" grpId="0" nodeType="clickEffect">
+                                  <p:stCondLst>
+                                    <p:cond delay="0"/>
+                                  </p:stCondLst>
+                                  <p:childTnLst>
+                                    <p:set>
+                                      <p:cBhvr>
+                                        <p:cTn id="6" dur="1" fill="hold">
+                                          <p:stCondLst>
+                                            <p:cond delay="0"/>
+                                          </p:stCondLst>
+                                        </p:cTn>
+                                        <p:tgtEl>
+                                          <p:spTgt spid="3">
+                                            <p:txEl>
+                                              <p:pRg st="0" end="0"/>
+                                            </p:txEl>
+                                          </p:spTgt>
+                                        </p:tgtEl>
+                                        <p:attrNameLst>
+                                          <p:attrName>style.visibility</p:attrName>
+                                        </p:attrNameLst>
+                                      </p:cBhvr>
+                                      <p:to>
+                                        <p:strVal val="visible"/>
+                                      </p:to>
+                                    </p:set>
+                                  </p:childTnLst>
+                                </p:cTn>
+                              </p:par>
+                            </p:childTnLst>
+                          </p:cTn>
+                        </p:par>
+                      </p:childTnLst>
+                    </p:cTn>
+                  </p:par>
+                  <p:par>
+                    <p:cTn id="7" fill="hold">
+                      <p:stCondLst>
+                        <p:cond delay="indefinite"/>
+                      </p:stCondLst>
+                      <p:childTnLst>
+                        <p:par>
+                          <p:cTn id="8" fill="hold">
+                            <p:stCondLst>
+                              <p:cond delay="0"/>
+                            </p:stCondLst>
+                            <p:childTnLst>
+                              <p:par>
+                                <p:cTn id="9" presetID="1" presetClass="entr" presetSubtype="0" fill="hold" grpId="0" nodeType="clickEffect">
+                                  <p:stCondLst>
+                                    <p:cond delay="0"/>
+                                  </p:stCondLst>
+                                  <p:childTnLst>
+                                    <p:set>
+                                      <p:cBhvr>
+                                        <p:cTn id="10" dur="1" fill="hold">
+                                          <p:stCondLst>
+                                            <p:cond delay="0"/>
+                                          </p:stCondLst>
+                                        </p:cTn>
+                                        <p:tgtEl>
+                                          <p:spTgt spid="3">
+                                            <p:txEl>
+                                              <p:pRg st="1" end="1"/>
+                                            </p:txEl>
+                                          </p:spTgt>
+                                        </p:tgtEl>
+                                        <p:attrNameLst>
+                                          <p:attrName>style.visibility</p:attrName>
+                                        </p:attrNameLst>
+                                      </p:cBhvr>
+                                      <p:to>
+                                        <p:strVal val="visible"/>
+                                      </p:to>
+                                    </p:set>
+                                  </p:childTnLst>
+                                </p:cTn>
+                              </p:par>
+                            </p:childTnLst>
+                          </p:cTn>
+                        </p:par>
+                      </p:childTnLst>
+                    </p:cTn>
+                  </p:par>
+                  <p:par>
+                    <p:cTn id="11" fill="hold">
+                      <p:stCondLst>
+                        <p:cond delay="indefinite"/>
+                      </p:stCondLst>
+                      <p:childTnLst>
+                        <p:par>
+                          <p:cTn id="12" fill="hold">
+                            <p:stCondLst>
+                              <p:cond delay="0"/>
+                            </p:stCondLst>
+                            <p:childTnLst>
+                              <p:par>
+                                <p:cTn id="13" presetID="1" presetClass="entr" presetSubtype="0" fill="hold" grpId="0" nodeType="clickEffect">
+                                  <p:stCondLst>
+                                    <p:cond delay="0"/>
+                                  </p:stCondLst>
+                                  <p:childTnLst>
+                                    <p:set>
+                                      <p:cBhvr>
+                                        <p:cTn id="14" dur="1" fill="hold">
+                                          <p:stCondLst>
+                                            <p:cond delay="0"/>
+                                          </p:stCondLst>
+                                        </p:cTn>
+                                        <p:tgtEl>
+                                          <p:spTgt spid="3">
+                                            <p:txEl>
+                                              <p:pRg st="2" end="2"/>
+                                            </p:txEl>
+                                          </p:spTgt>
+                                        </p:tgtEl>
+                                        <p:attrNameLst>
+                                          <p:attrName>style.visibility</p:attrName>
+                                        </p:attrNameLst>
+                                      </p:cBhvr>
+                                      <p:to>
+                                        <p:strVal val="visible"/>
+                                      </p:to>
+                                    </p:set>
+                                  </p:childTnLst>
+                                </p:cTn>
+                              </p:par>
+                            </p:childTnLst>
+                          </p:cTn>
+                        </p:par>
+                      </p:childTnLst>
+                    </p:cTn>
+                  </p:par>
+                  <p:par>
+                    <p:cTn id="15" fill="hold">
+                      <p:stCondLst>
+                        <p:cond delay="indefinite"/>
+                      </p:stCondLst>
+                      <p:childTnLst>
+                        <p:par>
+                          <p:cTn id="16" fill="hold">
+                            <p:stCondLst>
+                              <p:cond delay="0"/>
+                            </p:stCondLst>
+                            <p:childTnLst>
+                              <p:par>
+                                <p:cTn id="17" presetID="1" presetClass="entr" presetSubtype="0" fill="hold" grpId="0" nodeType="clickEffect">
+                                  <p:stCondLst>
+                                    <p:cond delay="0"/>
+                                  </p:stCondLst>
+                                  <p:childTnLst>
+                                    <p:set>
+                                      <p:cBhvr>
+                                        <p:cTn id="18" dur="1" fill="hold">
+                                          <p:stCondLst>
+                                            <p:cond delay="0"/>
+                                          </p:stCondLst>
+                                        </p:cTn>
+                                        <p:tgtEl>
+                                          <p:spTgt spid="3">
+                                            <p:txEl>
+                                              <p:pRg st="3" end="3"/>
+                                            </p:txEl>
+                                          </p:spTgt>
+                                        </p:tgtEl>
+                                        <p:attrNameLst>
+                                          <p:attrName>style.visibility</p:attrName>
+                                        </p:attrNameLst>
+                                      </p:cBhvr>
+                                      <p:to>
+                                        <p:strVal val="visible"/>
+                                      </p:to>
+                                    </p:set>
+                                  </p:childTnLst>
+                                </p:cTn>
+                              </p:par>
+                            </p:childTnLst>
+                          </p:cTn>
+                        </p:par>
+                      </p:childTnLst>
+                    </p:cTn>
+                  </p:par>
+                  <p:par>
+                    <p:cTn id="19" fill="hold">
+                      <p:stCondLst>
+                        <p:cond delay="indefinite"/>
+                      </p:stCondLst>
+                      <p:childTnLst>
+                        <p:par>
+                          <p:cTn id="20" fill="hold">
+                            <p:stCondLst>
+                              <p:cond delay="0"/>
+                            </p:stCondLst>
+                            <p:childTnLst>
+                              <p:par>
+                                <p:cTn id="21" presetID="1" presetClass="entr" presetSubtype="0" fill="hold" grpId="0" nodeType="clickEffect">
+                                  <p:stCondLst>
+                                    <p:cond delay="0"/>
+                                  </p:stCondLst>
+                                  <p:childTnLst>
+                                    <p:set>
+                                      <p:cBhvr>
+                                        <p:cTn id="22" dur="1" fill="hold">
+                                          <p:stCondLst>
+                                            <p:cond delay="0"/>
+                                          </p:stCondLst>
+                                        </p:cTn>
+                                        <p:tgtEl>
+                                          <p:spTgt spid="3">
+                                            <p:txEl>
+                                              <p:pRg st="4" end="4"/>
+                                            </p:txEl>
+                                          </p:spTgt>
+                                        </p:tgtEl>
+                                        <p:attrNameLst>
+                                          <p:attrName>style.visibility</p:attrName>
+                                        </p:attrNameLst>
+                                      </p:cBhvr>
+                                      <p:to>
+                                        <p:strVal val="visible"/>
+                                      </p:to>
+                                    </p:set>
+                                  </p:childTnLst>
+                                </p:cTn>
+                              </p:par>
+                            </p:childTnLst>
+                          </p:cTn>
+                        </p:par>
+                      </p:childTnLst>
+                    </p:cTn>
+                  </p:par>
+                  <p:par>
+                    <p:cTn id="23" fill="hold">
+                      <p:stCondLst>
+                        <p:cond delay="indefinite"/>
+                      </p:stCondLst>
+                      <p:childTnLst>
+                        <p:par>
+                          <p:cTn id="24" fill="hold">
+                            <p:stCondLst>
+                              <p:cond delay="0"/>
+                            </p:stCondLst>
+                            <p:childTnLst>
+                              <p:par>
+                                <p:cTn id="25" presetID="1" presetClass="entr" presetSubtype="0" fill="hold" grpId="0" nodeType="clickEffect">
+                                  <p:stCondLst>
+                                    <p:cond delay="0"/>
+                                  </p:stCondLst>
+                                  <p:childTnLst>
+                                    <p:set>
+                                      <p:cBhvr>
+                                        <p:cTn id="26" dur="1" fill="hold">
+                                          <p:stCondLst>
+                                            <p:cond delay="0"/>
+                                          </p:stCondLst>
+                                        </p:cTn>
+                                        <p:tgtEl>
+                                          <p:spTgt spid="3">
+                                            <p:txEl>
+                                              <p:pRg st="5" end="5"/>
+                                            </p:txEl>
+                                          </p:spTgt>
+                                        </p:tgtEl>
+                                        <p:attrNameLst>
+                                          <p:attrName>style.visibility</p:attrName>
+                                        </p:attrNameLst>
+                                      </p:cBhvr>
+                                      <p:to>
+                                        <p:strVal val="visible"/>
+                                      </p:to>
+                                    </p:set>
+                                  </p:childTnLst>
+                                </p:cTn>
+                              </p:par>
+                            </p:childTnLst>
+                          </p:cTn>
+                        </p:par>
+                      </p:childTnLst>
+                    </p:cTn>
+                  </p:par>
+                  <p:par>
+                    <p:cTn id="27" fill="hold">
+                      <p:stCondLst>
+                        <p:cond delay="indefinite"/>
+                      </p:stCondLst>
+                      <p:childTnLst>
+                        <p:par>
+                          <p:cTn id="28" fill="hold">
+                            <p:stCondLst>
+                              <p:cond delay="0"/>
+                            </p:stCondLst>
+                            <p:childTnLst>
+                              <p:par>
+                                <p:cTn id="29" presetID="1" presetClass="entr" presetSubtype="0" fill="hold" grpId="0" nodeType="clickEffect">
+                                  <p:stCondLst>
+                                    <p:cond delay="0"/>
+                                  </p:stCondLst>
+                                  <p:childTnLst>
+                                    <p:set>
+                                      <p:cBhvr>
+                                        <p:cTn id="30" dur="1" fill="hold">
+                                          <p:stCondLst>
+                                            <p:cond delay="0"/>
+                                          </p:stCondLst>
+                                        </p:cTn>
+                                        <p:tgtEl>
+                                          <p:spTgt spid="3">
+                                            <p:txEl>
+                                              <p:pRg st="6" end="6"/>
+                                            </p:txEl>
+                                          </p:spTgt>
+                                        </p:tgtEl>
+                                        <p:attrNameLst>
+                                          <p:attrName>style.visibility</p:attrName>
+                                        </p:attrNameLst>
+                                      </p:cBhvr>
+                                      <p:to>
+                                        <p:strVal val="visible"/>
+                                      </p:to>
+                                    </p:set>
+                                  </p:childTnLst>
+                                </p:cTn>
+                              </p:par>
+                            </p:childTnLst>
+                          </p:cTn>
+                        </p:par>
+                      </p:childTnLst>
+                    </p:cTn>
+                  </p:par>
+                  <p:par>
+                    <p:cTn id="31" fill="hold">
+                      <p:stCondLst>
+                        <p:cond delay="indefinite"/>
+                      </p:stCondLst>
+                      <p:childTnLst>
+                        <p:par>
+                          <p:cTn id="32" fill="hold">
+                            <p:stCondLst>
+                              <p:cond delay="0"/>
+                            </p:stCondLst>
+                            <p:childTnLst>
+                              <p:par>
+                                <p:cTn id="33" presetID="1" presetClass="entr" presetSubtype="0" fill="hold" grpId="0" nodeType="clickEffect">
+                                  <p:stCondLst>
+                                    <p:cond delay="0"/>
+                                  </p:stCondLst>
+                                  <p:childTnLst>
+                                    <p:set>
+                                      <p:cBhvr>
+                                        <p:cTn id="34" dur="1" fill="hold">
+                                          <p:stCondLst>
+                                            <p:cond delay="0"/>
+                                          </p:stCondLst>
+                                        </p:cTn>
+                                        <p:tgtEl>
+                                          <p:spTgt spid="3">
+                                            <p:txEl>
+                                              <p:pRg st="7" end="7"/>
+                                            </p:txEl>
+                                          </p:spTgt>
+                                        </p:tgtEl>
+                                        <p:attrNameLst>
+                                          <p:attrName>style.visibility</p:attrName>
+                                        </p:attrNameLst>
+                                      </p:cBhvr>
+                                      <p:to>
+                                        <p:strVal val="visible"/>
+                                      </p:to>
+                                    </p:set>
+                                  </p:childTnLst>
+                                </p:cTn>
+                              </p:par>
+                            </p:childTnLst>
+                          </p:cTn>
+                        </p:par>
+                      </p:childTnLst>
+                    </p:cTn>
+                  </p:par>
+                  <p:par>
+                    <p:cTn id="35" fill="hold">
+                      <p:stCondLst>
+                        <p:cond delay="indefinite"/>
+                      </p:stCondLst>
+                      <p:childTnLst>
+                        <p:par>
+                          <p:cTn id="36" fill="hold">
+                            <p:stCondLst>
+                              <p:cond delay="0"/>
+                            </p:stCondLst>
+                            <p:childTnLst>
+                              <p:par>
+                                <p:cTn id="37" presetID="1" presetClass="entr" presetSubtype="0" fill="hold" grpId="0" nodeType="clickEffect">
+                                  <p:stCondLst>
+                                    <p:cond delay="0"/>
+                                  </p:stCondLst>
+                                  <p:childTnLst>
+                                    <p:set>
+                                      <p:cBhvr>
+                                        <p:cTn id="38" dur="1" fill="hold">
+                                          <p:stCondLst>
+                                            <p:cond delay="0"/>
+                                          </p:stCondLst>
+                                        </p:cTn>
+                                        <p:tgtEl>
+                                          <p:spTgt spid="3">
+                                            <p:txEl>
+                                              <p:pRg st="8" end="8"/>
+                                            </p:txEl>
+                                          </p:spTgt>
+                                        </p:tgtEl>
+                                        <p:attrNameLst>
+                                          <p:attrName>style.visibility</p:attrName>
+                                        </p:attrNameLst>
+                                      </p:cBhvr>
+                                      <p:to>
+                                        <p:strVal val="visible"/>
+                                      </p:to>
+                                    </p:set>
+                                  </p:childTnLst>
+                                </p:cTn>
+                              </p:par>
+                            </p:childTnLst>
+                          </p:cTn>
+                        </p:par>
+                      </p:childTnLst>
+                    </p:cTn>
+                  </p:par>
+                  <p:par>
+                    <p:cTn id="39" fill="hold">
+                      <p:stCondLst>
+                        <p:cond delay="indefinite"/>
+                      </p:stCondLst>
+                      <p:childTnLst>
+                        <p:par>
+                          <p:cTn id="40" fill="hold">
+                            <p:stCondLst>
+                              <p:cond delay="0"/>
+                            </p:stCondLst>
+                            <p:childTnLst>
+                              <p:par>
+                                <p:cTn id="41" presetID="1" presetClass="entr" presetSubtype="0" fill="hold" grpId="0" nodeType="clickEffect">
+                                  <p:stCondLst>
+                                    <p:cond delay="0"/>
+                                  </p:stCondLst>
+                                  <p:childTnLst>
+                                    <p:set>
+                                      <p:cBhvr>
+                                        <p:cTn id="42" dur="1" fill="hold">
+                                          <p:stCondLst>
+                                            <p:cond delay="0"/>
+                                          </p:stCondLst>
+                                        </p:cTn>
+                                        <p:tgtEl>
+                                          <p:spTgt spid="3">
+                                            <p:txEl>
+                                              <p:pRg st="9" end="9"/>
+                                            </p:txEl>
+                                          </p:spTgt>
+                                        </p:tgtEl>
+                                        <p:attrNameLst>
+                                          <p:attrName>style.visibility</p:attrName>
+                                        </p:attrNameLst>
+                                      </p:cBhvr>
+                                      <p:to>
+                                        <p:strVal val="visible"/>
+                                      </p:to>
+                                    </p:set>
+                                  </p:childTnLst>
+                                </p:cTn>
+                              </p:par>
+                            </p:childTnLst>
+                          </p:cTn>
+                        </p:par>
+                      </p:childTnLst>
+                    </p:cTn>
+                  </p:par>
+                  <p:par>
+                    <p:cTn id="43" fill="hold">
+                      <p:stCondLst>
+                        <p:cond delay="indefinite"/>
+                      </p:stCondLst>
+                      <p:childTnLst>
+                        <p:par>
+                          <p:cTn id="44" fill="hold">
+                            <p:stCondLst>
+                              <p:cond delay="0"/>
+                            </p:stCondLst>
+                            <p:childTnLst>
+                              <p:par>
+                                <p:cTn id="45" presetID="1" presetClass="entr" presetSubtype="0" fill="hold" grpId="0" nodeType="clickEffect">
+                                  <p:stCondLst>
+                                    <p:cond delay="0"/>
+                                  </p:stCondLst>
+                                  <p:childTnLst>
+                                    <p:set>
+                                      <p:cBhvr>
+                                        <p:cTn id="46" dur="1" fill="hold">
+                                          <p:stCondLst>
+                                            <p:cond delay="0"/>
+                                          </p:stCondLst>
+                                        </p:cTn>
+                                        <p:tgtEl>
+                                          <p:spTgt spid="3">
+                                            <p:txEl>
+                                              <p:pRg st="10" end="10"/>
+                                            </p:txEl>
+                                          </p:spTgt>
+                                        </p:tgtEl>
+                                        <p:attrNameLst>
+                                          <p:attrName>style.visibility</p:attrName>
+                                        </p:attrNameLst>
+                                      </p:cBhvr>
+                                      <p:to>
+                                        <p:strVal val="visible"/>
+                                      </p:to>
+                                    </p:set>
+                                  </p:childTnLst>
+                                </p:cTn>
+                              </p:par>
+                            </p:childTnLst>
+                          </p:cTn>
+                        </p:par>
+                      </p:childTnLst>
+                    </p:cTn>
+                  </p:par>
+                </p:childTnLst>
+              </p:cTn>
+              <p:prevCondLst>
+                <p:cond evt="onPrev" delay="0">
+                  <p:tgtEl>
+                    <p:sldTgt/>
+                  </p:tgtEl>
+                </p:cond>
+              </p:prevCondLst>
+              <p:nextCondLst>
+                <p:cond evt="onNext" delay="0">
+                  <p:tgtEl>
+                    <p:sldTgt/>
+                  </p:tgtEl>
+                </p:cond>
+              </p:nextCondLst>
+            </p:seq>
+          </p:childTnLst>
+        </p:cTn>
+      </p:par>
+    </p:tnLst>
+    <p:bldLst>
+      <p:bldP spid="3" grpId="0" build="p" bldLvl="5"/>
+    </p:bldLst>
+  </p:timing>
 </p:sld>
 </file>
 
@@ -5430,7 +6121,11 @@
           <a:bodyPr/>
           <a:lstStyle/>
           <a:p>
-            <a:endParaRPr lang="fr-FR"/>
+            <a:r>
+              <a:rPr lang="fr-FR" dirty="0" smtClean="0"/>
+              <a:t>II. Organisation</a:t>
+            </a:r>
+            <a:endParaRPr lang="fr-FR" dirty="0"/>
           </a:p>
         </p:txBody>
       </p:sp>
@@ -5449,7 +6144,47 @@
           <a:bodyPr/>
           <a:lstStyle/>
           <a:p>
-            <a:endParaRPr lang="fr-FR"/>
+            <a:r>
+              <a:rPr lang="fr-FR" dirty="0" smtClean="0"/>
+              <a:t>Identification des principales t</a:t>
+            </a:r>
+            <a:r>
+              <a:rPr lang="fr-FR" dirty="0" smtClean="0"/>
+              <a:t>âches:</a:t>
+            </a:r>
+          </a:p>
+          <a:p>
+            <a:pPr lvl="1"/>
+            <a:r>
+              <a:rPr lang="fr-FR" dirty="0" smtClean="0"/>
+              <a:t>Etude de la structure des sites</a:t>
+            </a:r>
+          </a:p>
+          <a:p>
+            <a:pPr lvl="1"/>
+            <a:r>
+              <a:rPr lang="fr-FR" dirty="0" smtClean="0"/>
+              <a:t>Comment stocker les données ?</a:t>
+            </a:r>
+          </a:p>
+          <a:p>
+            <a:pPr lvl="1"/>
+            <a:r>
+              <a:rPr lang="fr-FR" dirty="0" smtClean="0"/>
+              <a:t>Comment les gérer visuellement ?</a:t>
+            </a:r>
+          </a:p>
+          <a:p>
+            <a:r>
+              <a:rPr lang="fr-FR" dirty="0" smtClean="0"/>
+              <a:t>Définition des rôles</a:t>
+            </a:r>
+          </a:p>
+          <a:p>
+            <a:pPr marL="0" indent="0">
+              <a:buNone/>
+            </a:pPr>
+            <a:endParaRPr lang="fr-FR" dirty="0" smtClean="0"/>
           </a:p>
         </p:txBody>
       </p:sp>
@@ -5463,6 +6198,284 @@
   <p:clrMapOvr>
     <a:masterClrMapping/>
   </p:clrMapOvr>
+  <p:timing>
+    <p:tnLst>
+      <p:par>
+        <p:cTn xmlns:p14="http://schemas.microsoft.com/office/powerpoint/2010/main" id="1" dur="indefinite" restart="never" nodeType="tmRoot">
+          <p:childTnLst>
+            <p:seq concurrent="1" nextAc="seek">
+              <p:cTn id="2" dur="indefinite" nodeType="mainSeq">
+                <p:childTnLst>
+                  <p:par>
+                    <p:cTn id="3" fill="hold">
+                      <p:stCondLst>
+                        <p:cond delay="indefinite"/>
+                      </p:stCondLst>
+                      <p:childTnLst>
+                        <p:par>
+                          <p:cTn id="4" fill="hold">
+                            <p:stCondLst>
+                              <p:cond delay="0"/>
+                            </p:stCondLst>
+                            <p:childTnLst>
+                              <p:par>
+                                <p:cTn id="5" presetID="1" presetClass="entr" presetSubtype="0" fill="hold" grpId="0" nodeType="clickEffect">
+                                  <p:stCondLst>
+                                    <p:cond delay="0"/>
+                                  </p:stCondLst>
+                                  <p:childTnLst>
+                                    <p:set>
+                                      <p:cBhvr>
+                                        <p:cTn id="6" dur="1" fill="hold">
+                                          <p:stCondLst>
+                                            <p:cond delay="0"/>
+                                          </p:stCondLst>
+                                        </p:cTn>
+                                        <p:tgtEl>
+                                          <p:spTgt spid="3">
+                                            <p:txEl>
+                                              <p:pRg st="0" end="0"/>
+                                            </p:txEl>
+                                          </p:spTgt>
+                                        </p:tgtEl>
+                                        <p:attrNameLst>
+                                          <p:attrName>style.visibility</p:attrName>
+                                        </p:attrNameLst>
+                                      </p:cBhvr>
+                                      <p:to>
+                                        <p:strVal val="visible"/>
+                                      </p:to>
+                                    </p:set>
+                                  </p:childTnLst>
+                                </p:cTn>
+                              </p:par>
+                            </p:childTnLst>
+                          </p:cTn>
+                        </p:par>
+                      </p:childTnLst>
+                    </p:cTn>
+                  </p:par>
+                  <p:par>
+                    <p:cTn id="7" fill="hold">
+                      <p:stCondLst>
+                        <p:cond delay="indefinite"/>
+                      </p:stCondLst>
+                      <p:childTnLst>
+                        <p:par>
+                          <p:cTn id="8" fill="hold">
+                            <p:stCondLst>
+                              <p:cond delay="0"/>
+                            </p:stCondLst>
+                            <p:childTnLst>
+                              <p:par>
+                                <p:cTn id="9" presetID="1" presetClass="entr" presetSubtype="0" fill="hold" grpId="0" nodeType="clickEffect">
+                                  <p:stCondLst>
+                                    <p:cond delay="0"/>
+                                  </p:stCondLst>
+                                  <p:childTnLst>
+                                    <p:set>
+                                      <p:cBhvr>
+                                        <p:cTn id="10" dur="1" fill="hold">
+                                          <p:stCondLst>
+                                            <p:cond delay="0"/>
+                                          </p:stCondLst>
+                                        </p:cTn>
+                                        <p:tgtEl>
+                                          <p:spTgt spid="3">
+                                            <p:txEl>
+                                              <p:pRg st="1" end="1"/>
+                                            </p:txEl>
+                                          </p:spTgt>
+                                        </p:tgtEl>
+                                        <p:attrNameLst>
+                                          <p:attrName>style.visibility</p:attrName>
+                                        </p:attrNameLst>
+                                      </p:cBhvr>
+                                      <p:to>
+                                        <p:strVal val="visible"/>
+                                      </p:to>
+                                    </p:set>
+                                  </p:childTnLst>
+                                </p:cTn>
+                              </p:par>
+                            </p:childTnLst>
+                          </p:cTn>
+                        </p:par>
+                      </p:childTnLst>
+                    </p:cTn>
+                  </p:par>
+                  <p:par>
+                    <p:cTn id="11" fill="hold">
+                      <p:stCondLst>
+                        <p:cond delay="indefinite"/>
+                      </p:stCondLst>
+                      <p:childTnLst>
+                        <p:par>
+                          <p:cTn id="12" fill="hold">
+                            <p:stCondLst>
+                              <p:cond delay="0"/>
+                            </p:stCondLst>
+                            <p:childTnLst>
+                              <p:par>
+                                <p:cTn id="13" presetID="1" presetClass="entr" presetSubtype="0" fill="hold" grpId="0" nodeType="clickEffect">
+                                  <p:stCondLst>
+                                    <p:cond delay="0"/>
+                                  </p:stCondLst>
+                                  <p:childTnLst>
+                                    <p:set>
+                                      <p:cBhvr>
+                                        <p:cTn id="14" dur="1" fill="hold">
+                                          <p:stCondLst>
+                                            <p:cond delay="0"/>
+                                          </p:stCondLst>
+                                        </p:cTn>
+                                        <p:tgtEl>
+                                          <p:spTgt spid="3">
+                                            <p:txEl>
+                                              <p:pRg st="2" end="2"/>
+                                            </p:txEl>
+                                          </p:spTgt>
+                                        </p:tgtEl>
+                                        <p:attrNameLst>
+                                          <p:attrName>style.visibility</p:attrName>
+                                        </p:attrNameLst>
+                                      </p:cBhvr>
+                                      <p:to>
+                                        <p:strVal val="visible"/>
+                                      </p:to>
+                                    </p:set>
+                                  </p:childTnLst>
+                                </p:cTn>
+                              </p:par>
+                            </p:childTnLst>
+                          </p:cTn>
+                        </p:par>
+                      </p:childTnLst>
+                    </p:cTn>
+                  </p:par>
+                  <p:par>
+                    <p:cTn id="15" fill="hold">
+                      <p:stCondLst>
+                        <p:cond delay="indefinite"/>
+                      </p:stCondLst>
+                      <p:childTnLst>
+                        <p:par>
+                          <p:cTn id="16" fill="hold">
+                            <p:stCondLst>
+                              <p:cond delay="0"/>
+                            </p:stCondLst>
+                            <p:childTnLst>
+                              <p:par>
+                                <p:cTn id="17" presetID="1" presetClass="entr" presetSubtype="0" fill="hold" grpId="0" nodeType="clickEffect">
+                                  <p:stCondLst>
+                                    <p:cond delay="0"/>
+                                  </p:stCondLst>
+                                  <p:childTnLst>
+                                    <p:set>
+                                      <p:cBhvr>
+                                        <p:cTn id="18" dur="1" fill="hold">
+                                          <p:stCondLst>
+                                            <p:cond delay="0"/>
+                                          </p:stCondLst>
+                                        </p:cTn>
+                                        <p:tgtEl>
+                                          <p:spTgt spid="3">
+                                            <p:txEl>
+                                              <p:pRg st="3" end="3"/>
+                                            </p:txEl>
+                                          </p:spTgt>
+                                        </p:tgtEl>
+                                        <p:attrNameLst>
+                                          <p:attrName>style.visibility</p:attrName>
+                                        </p:attrNameLst>
+                                      </p:cBhvr>
+                                      <p:to>
+                                        <p:strVal val="visible"/>
+                                      </p:to>
+                                    </p:set>
+                                  </p:childTnLst>
+                                </p:cTn>
+                              </p:par>
+                            </p:childTnLst>
+                          </p:cTn>
+                        </p:par>
+                      </p:childTnLst>
+                    </p:cTn>
+                  </p:par>
+                  <p:par>
+                    <p:cTn id="19" fill="hold">
+                      <p:stCondLst>
+                        <p:cond delay="indefinite"/>
+                      </p:stCondLst>
+                      <p:childTnLst>
+                        <p:par>
+                          <p:cTn id="20" fill="hold">
+                            <p:stCondLst>
+                              <p:cond delay="0"/>
+                            </p:stCondLst>
+                            <p:childTnLst>
+                              <p:par>
+                                <p:cTn id="21" presetID="1" presetClass="entr" presetSubtype="0" fill="hold" grpId="0" nodeType="clickEffect">
+                                  <p:stCondLst>
+                                    <p:cond delay="0"/>
+                                  </p:stCondLst>
+                                  <p:childTnLst>
+                                    <p:set>
+                                      <p:cBhvr>
+                                        <p:cTn id="22" dur="1" fill="hold">
+                                          <p:stCondLst>
+                                            <p:cond delay="0"/>
+                                          </p:stCondLst>
+                                        </p:cTn>
+                                        <p:tgtEl>
+                                          <p:spTgt spid="3">
+                                            <p:txEl>
+                                              <p:pRg st="4" end="4"/>
+                                            </p:txEl>
+                                          </p:spTgt>
+                                        </p:tgtEl>
+                                        <p:attrNameLst>
+                                          <p:attrName>style.visibility</p:attrName>
+                                        </p:attrNameLst>
+                                      </p:cBhvr>
+                                      <p:to>
+                                        <p:strVal val="visible"/>
+                                      </p:to>
+                                    </p:set>
+                                  </p:childTnLst>
+                                </p:cTn>
+                              </p:par>
+                            </p:childTnLst>
+                          </p:cTn>
+                        </p:par>
+                      </p:childTnLst>
+                    </p:cTn>
+                  </p:par>
+                </p:childTnLst>
+              </p:cTn>
+              <p:prevCondLst>
+                <p:cond evt="onPrev" delay="0">
+                  <p:tgtEl>
+                    <p:sldTgt/>
+                  </p:tgtEl>
+                </p:cond>
+              </p:prevCondLst>
+              <p:nextCondLst>
+                <p:cond evt="onNext" delay="0">
+                  <p:tgtEl>
+                    <p:sldTgt/>
+                  </p:tgtEl>
+                </p:cond>
+              </p:nextCondLst>
+            </p:seq>
+          </p:childTnLst>
+        </p:cTn>
+      </p:par>
+    </p:tnLst>
+    <p:bldLst>
+      <p:bldP spid="3" grpId="0" build="p" bldLvl="2"/>
+    </p:bldLst>
+  </p:timing>
 </p:sld>
 </file>
 
@@ -5498,7 +6511,11 @@
           <a:bodyPr/>
           <a:lstStyle/>
           <a:p>
-            <a:endParaRPr lang="fr-FR"/>
+            <a:r>
+              <a:rPr lang="fr-FR" dirty="0" smtClean="0"/>
+              <a:t>II. Organisation</a:t>
+            </a:r>
+            <a:endParaRPr lang="fr-FR" dirty="0"/>
           </a:p>
         </p:txBody>
       </p:sp>
@@ -5517,10 +6534,51 @@
           <a:bodyPr/>
           <a:lstStyle/>
           <a:p>
-            <a:endParaRPr lang="fr-FR"/>
-          </a:p>
-        </p:txBody>
-      </p:sp>
+            <a:r>
+              <a:rPr lang="fr-FR" dirty="0" smtClean="0"/>
+              <a:t>Gestion de projet</a:t>
+            </a:r>
+          </a:p>
+          <a:p>
+            <a:pPr lvl="1"/>
+            <a:r>
+              <a:rPr lang="fr-FR" dirty="0" smtClean="0"/>
+              <a:t>Diagramme de Gantt indispensable</a:t>
+            </a:r>
+            <a:endParaRPr lang="fr-FR" dirty="0"/>
+          </a:p>
+        </p:txBody>
+      </p:sp>
+      <p:pic>
+        <p:nvPicPr>
+          <p:cNvPr id="4" name="Image 3" descr="diagramme.png"/>
+          <p:cNvPicPr>
+            <a:picLocks noChangeAspect="1"/>
+          </p:cNvPicPr>
+          <p:nvPr/>
+        </p:nvPicPr>
+        <p:blipFill>
+          <a:blip r:embed="rId2">
+            <a:extLst>
+              <a:ext uri="{28A0092B-C50C-407E-A947-70E740481C1C}">
+                <a14:useLocalDpi xmlns:a14="http://schemas.microsoft.com/office/drawing/2010/main" val="0"/>
+              </a:ext>
+            </a:extLst>
+          </a:blip>
+          <a:stretch>
+            <a:fillRect/>
+          </a:stretch>
+        </p:blipFill>
+        <p:spPr>
+          <a:xfrm>
+            <a:off x="-1" y="3424351"/>
+            <a:ext cx="9144001" cy="2784703"/>
+          </a:xfrm>
+          <a:prstGeom prst="rect">
+            <a:avLst/>
+          </a:prstGeom>
+        </p:spPr>
+      </p:pic>
     </p:spTree>
     <p:extLst>
       <p:ext uri="{BB962C8B-B14F-4D97-AF65-F5344CB8AC3E}">
@@ -5531,6 +6589,13 @@
   <p:clrMapOvr>
     <a:masterClrMapping/>
   </p:clrMapOvr>
+  <p:timing>
+    <p:tnLst>
+      <p:par>
+        <p:cTn xmlns:p14="http://schemas.microsoft.com/office/powerpoint/2010/main" id="1" dur="indefinite" restart="never" nodeType="tmRoot"/>
+      </p:par>
+    </p:tnLst>
+  </p:timing>
 </p:sld>
 </file>
 
@@ -5566,7 +6631,11 @@
           <a:bodyPr/>
           <a:lstStyle/>
           <a:p>
-            <a:endParaRPr lang="fr-FR"/>
+            <a:r>
+              <a:rPr lang="fr-FR" dirty="0" smtClean="0"/>
+              <a:t>II. Organisation</a:t>
+            </a:r>
+            <a:endParaRPr lang="fr-FR" dirty="0"/>
           </a:p>
         </p:txBody>
       </p:sp>
@@ -5585,10 +6654,155 @@
           <a:bodyPr/>
           <a:lstStyle/>
           <a:p>
-            <a:endParaRPr lang="fr-FR"/>
-          </a:p>
-        </p:txBody>
-      </p:sp>
+            <a:r>
+              <a:rPr lang="fr-FR" dirty="0" smtClean="0"/>
+              <a:t>Nos outils:</a:t>
+            </a:r>
+          </a:p>
+          <a:p>
+            <a:pPr lvl="1"/>
+            <a:r>
+              <a:rPr lang="fr-FR" dirty="0" smtClean="0"/>
+              <a:t>Développement:</a:t>
+            </a:r>
+          </a:p>
+          <a:p>
+            <a:pPr lvl="2"/>
+            <a:r>
+              <a:rPr lang="fr-FR" dirty="0" smtClean="0"/>
+              <a:t>PHP</a:t>
+            </a:r>
+          </a:p>
+          <a:p>
+            <a:pPr lvl="2"/>
+            <a:r>
+              <a:rPr lang="fr-FR" dirty="0" err="1" smtClean="0"/>
+              <a:t>MongoDB</a:t>
+            </a:r>
+            <a:endParaRPr lang="fr-FR" dirty="0" smtClean="0"/>
+          </a:p>
+          <a:p>
+            <a:pPr lvl="2"/>
+            <a:r>
+              <a:rPr lang="fr-FR" dirty="0" err="1" smtClean="0"/>
+              <a:t>Node.js</a:t>
+            </a:r>
+            <a:endParaRPr lang="fr-FR" dirty="0" smtClean="0"/>
+          </a:p>
+          <a:p>
+            <a:pPr lvl="1"/>
+            <a:r>
+              <a:rPr lang="fr-FR" dirty="0" smtClean="0"/>
+              <a:t>Travail collaboratif</a:t>
+            </a:r>
+          </a:p>
+          <a:p>
+            <a:pPr lvl="2"/>
+            <a:r>
+              <a:rPr lang="fr-FR" dirty="0" err="1" smtClean="0"/>
+              <a:t>Github</a:t>
+            </a:r>
+            <a:endParaRPr lang="fr-FR" dirty="0" smtClean="0"/>
+          </a:p>
+          <a:p>
+            <a:pPr lvl="2"/>
+            <a:r>
+              <a:rPr lang="fr-FR" dirty="0" smtClean="0"/>
+              <a:t>Serveur dédié OVH</a:t>
+            </a:r>
+          </a:p>
+        </p:txBody>
+      </p:sp>
+      <p:pic>
+        <p:nvPicPr>
+          <p:cNvPr id="4" name="Image 3" descr="github-logo.png"/>
+          <p:cNvPicPr>
+            <a:picLocks noChangeAspect="1"/>
+          </p:cNvPicPr>
+          <p:nvPr/>
+        </p:nvPicPr>
+        <p:blipFill>
+          <a:blip r:embed="rId2">
+            <a:extLst>
+              <a:ext uri="{28A0092B-C50C-407E-A947-70E740481C1C}">
+                <a14:useLocalDpi xmlns:a14="http://schemas.microsoft.com/office/drawing/2010/main" val="0"/>
+              </a:ext>
+            </a:extLst>
+          </a:blip>
+          <a:stretch>
+            <a:fillRect/>
+          </a:stretch>
+        </p:blipFill>
+        <p:spPr>
+          <a:xfrm>
+            <a:off x="4170947" y="1869141"/>
+            <a:ext cx="4692316" cy="1860746"/>
+          </a:xfrm>
+          <a:prstGeom prst="rect">
+            <a:avLst/>
+          </a:prstGeom>
+        </p:spPr>
+      </p:pic>
+      <p:pic>
+        <p:nvPicPr>
+          <p:cNvPr id="5" name="Image 4" descr="logo-ovh.jpg"/>
+          <p:cNvPicPr>
+            <a:picLocks noChangeAspect="1"/>
+          </p:cNvPicPr>
+          <p:nvPr/>
+        </p:nvPicPr>
+        <p:blipFill>
+          <a:blip r:embed="rId3" cstate="print">
+            <a:extLst>
+              <a:ext uri="{28A0092B-C50C-407E-A947-70E740481C1C}">
+                <a14:useLocalDpi xmlns:a14="http://schemas.microsoft.com/office/drawing/2010/main" val="0"/>
+              </a:ext>
+            </a:extLst>
+          </a:blip>
+          <a:stretch>
+            <a:fillRect/>
+          </a:stretch>
+        </p:blipFill>
+        <p:spPr>
+          <a:xfrm>
+            <a:off x="6777789" y="3997255"/>
+            <a:ext cx="2085474" cy="2015667"/>
+          </a:xfrm>
+          <a:prstGeom prst="rect">
+            <a:avLst/>
+          </a:prstGeom>
+        </p:spPr>
+      </p:pic>
+      <p:pic>
+        <p:nvPicPr>
+          <p:cNvPr id="7" name="Image 6" descr="mongodb-logo.png"/>
+          <p:cNvPicPr>
+            <a:picLocks noChangeAspect="1"/>
+          </p:cNvPicPr>
+          <p:nvPr/>
+        </p:nvPicPr>
+        <p:blipFill>
+          <a:blip r:embed="rId4">
+            <a:extLst>
+              <a:ext uri="{28A0092B-C50C-407E-A947-70E740481C1C}">
+                <a14:useLocalDpi xmlns:a14="http://schemas.microsoft.com/office/drawing/2010/main" val="0"/>
+              </a:ext>
+            </a:extLst>
+          </a:blip>
+          <a:stretch>
+            <a:fillRect/>
+          </a:stretch>
+        </p:blipFill>
+        <p:spPr>
+          <a:xfrm>
+            <a:off x="4170947" y="3997255"/>
+            <a:ext cx="2443414" cy="2015667"/>
+          </a:xfrm>
+          <a:prstGeom prst="rect">
+            <a:avLst/>
+          </a:prstGeom>
+        </p:spPr>
+      </p:pic>
     </p:spTree>
     <p:extLst>
       <p:ext uri="{BB962C8B-B14F-4D97-AF65-F5344CB8AC3E}">
@@ -5599,6 +6813,13 @@
   <p:clrMapOvr>
     <a:masterClrMapping/>
   </p:clrMapOvr>
+  <p:timing>
+    <p:tnLst>
+      <p:par>
+        <p:cTn xmlns:p14="http://schemas.microsoft.com/office/powerpoint/2010/main" id="1" dur="indefinite" restart="never" nodeType="tmRoot"/>
+      </p:par>
+    </p:tnLst>
+  </p:timing>
 </p:sld>
 </file>
 
@@ -5634,7 +6855,11 @@
           <a:bodyPr/>
           <a:lstStyle/>
           <a:p>
-            <a:endParaRPr lang="fr-FR"/>
+            <a:r>
+              <a:rPr lang="fr-FR" dirty="0" smtClean="0"/>
+              <a:t>III. Conception</a:t>
+            </a:r>
+            <a:endParaRPr lang="fr-FR" dirty="0"/>
           </a:p>
         </p:txBody>
       </p:sp>
@@ -5667,6 +6892,13 @@
   <p:clrMapOvr>
     <a:masterClrMapping/>
   </p:clrMapOvr>
+  <p:timing>
+    <p:tnLst>
+      <p:par>
+        <p:cTn xmlns:p14="http://schemas.microsoft.com/office/powerpoint/2010/main" id="1" dur="indefinite" restart="never" nodeType="tmRoot"/>
+      </p:par>
+    </p:tnLst>
+  </p:timing>
 </p:sld>
 </file>
 
